--- a/internet-security/intro.pptx
+++ b/internet-security/intro.pptx
@@ -282,7 +282,7 @@
           <a:p>
             <a:fld id="{81B7EE3F-0E40-4E46-B38A-161A7323B428}" type="datetimeFigureOut">
               <a:rPr lang="en-US" smtClean="0"/>
-              <a:t>2/24/2020</a:t>
+              <a:t>3/9/21</a:t>
             </a:fld>
             <a:endParaRPr lang="en-US"/>
           </a:p>
@@ -3695,7 +3695,7 @@
                 <a:latin typeface="STKaiti" panose="02010600040101010101" pitchFamily="2" charset="-122"/>
                 <a:ea typeface="STKaiti" panose="02010600040101010101" pitchFamily="2" charset="-122"/>
               </a:rPr>
-              <a:t>2019,2020</a:t>
+              <a:t>2019,2020,2021</a:t>
             </a:r>
           </a:p>
         </p:txBody>
@@ -3848,11 +3848,11 @@
             </a:pPr>
             <a:r>
               <a:rPr lang="zh-CN" altLang="en-US" dirty="0"/>
-              <a:t>通信安全</a:t>
+              <a:t>互联网协议安全</a:t>
             </a:r>
             <a:r>
               <a:rPr lang="en-US" altLang="zh-CN" dirty="0"/>
-              <a:t>——TLS</a:t>
+              <a:t>——TCP/IP</a:t>
             </a:r>
             <a:r>
               <a:rPr lang="zh-CN" altLang="en-US" dirty="0"/>
@@ -5158,8 +5158,31 @@
           <a:lstStyle/>
           <a:p>
             <a:r>
+              <a:rPr lang="zh-CN" altLang="en-US" strike="sngStrike" dirty="0"/>
+              <a:t>课程参与（</a:t>
+            </a:r>
+            <a:r>
+              <a:rPr lang="en-US" altLang="zh-CN" strike="sngStrike" dirty="0"/>
+              <a:t>15</a:t>
+            </a:r>
+            <a:r>
+              <a:rPr lang="zh-CN" altLang="en-US" strike="sngStrike" dirty="0"/>
+              <a:t>分）：每次回答课堂提问</a:t>
+            </a:r>
+            <a:r>
+              <a:rPr lang="en-US" altLang="zh-CN" strike="sngStrike" dirty="0"/>
+              <a:t>5</a:t>
+            </a:r>
+            <a:r>
+              <a:rPr lang="zh-CN" altLang="en-US" strike="sngStrike" dirty="0"/>
+              <a:t>分</a:t>
+            </a:r>
+            <a:endParaRPr lang="en-US" altLang="zh-CN" strike="sngStrike" dirty="0"/>
+          </a:p>
+          <a:p>
+            <a:r>
               <a:rPr lang="zh-CN" altLang="en-US" dirty="0"/>
-              <a:t>课程参与（</a:t>
+              <a:t>论文报告（</a:t>
             </a:r>
             <a:r>
               <a:rPr lang="en-US" altLang="zh-CN" dirty="0"/>
@@ -5167,7 +5190,79 @@
             </a:r>
             <a:r>
               <a:rPr lang="zh-CN" altLang="en-US" dirty="0"/>
-              <a:t>分）：每次回答课堂提问</a:t>
+              <a:t>*</a:t>
+            </a:r>
+            <a:r>
+              <a:rPr lang="en-US" altLang="zh-CN" dirty="0"/>
+              <a:t>2=30</a:t>
+            </a:r>
+            <a:r>
+              <a:rPr lang="zh-CN" altLang="en-US" dirty="0"/>
+              <a:t>分）：研读</a:t>
+            </a:r>
+            <a:r>
+              <a:rPr lang="en-US" altLang="zh-CN" dirty="0"/>
+              <a:t>2</a:t>
+            </a:r>
+            <a:r>
+              <a:rPr lang="zh-CN" altLang="en-US" dirty="0"/>
+              <a:t>篇</a:t>
+            </a:r>
+            <a:r>
+              <a:rPr lang="en-US" altLang="zh-CN" dirty="0"/>
+              <a:t>2019</a:t>
+            </a:r>
+            <a:r>
+              <a:rPr lang="zh-CN" altLang="en-US" dirty="0"/>
+              <a:t>年后顶级会议论文，方向包括网络体系结构、</a:t>
+            </a:r>
+            <a:r>
+              <a:rPr lang="en-US" altLang="zh-CN" dirty="0"/>
+              <a:t>TCP/IP</a:t>
+            </a:r>
+            <a:r>
+              <a:rPr lang="zh-CN" altLang="en-US" dirty="0"/>
+              <a:t>、</a:t>
+            </a:r>
+            <a:r>
+              <a:rPr lang="en-US" altLang="zh-CN" dirty="0"/>
+              <a:t>DNS</a:t>
+            </a:r>
+            <a:r>
+              <a:rPr lang="zh-CN" altLang="en-US" dirty="0"/>
+              <a:t>、</a:t>
+            </a:r>
+            <a:r>
+              <a:rPr lang="en-US" altLang="zh-CN" dirty="0"/>
+              <a:t>BGP</a:t>
+            </a:r>
+            <a:r>
+              <a:rPr lang="zh-CN" altLang="en-US" dirty="0"/>
+              <a:t>、</a:t>
+            </a:r>
+            <a:r>
+              <a:rPr lang="en-US" altLang="zh-CN" strike="sngStrike" dirty="0"/>
+              <a:t>TLS</a:t>
+            </a:r>
+            <a:r>
+              <a:rPr lang="zh-CN" altLang="en-US" dirty="0"/>
+              <a:t>、匿名通信、网络测量、区块链。准备</a:t>
+            </a:r>
+            <a:r>
+              <a:rPr lang="en-US" altLang="zh-CN" dirty="0"/>
+              <a:t>PPT</a:t>
+            </a:r>
+            <a:r>
+              <a:rPr lang="en-US" altLang="zh-CN" strike="sngStrike" dirty="0"/>
+              <a:t>+</a:t>
+            </a:r>
+            <a:r>
+              <a:rPr lang="zh-CN" altLang="en-US" strike="sngStrike" dirty="0"/>
+              <a:t>音频</a:t>
+            </a:r>
+            <a:r>
+              <a:rPr lang="zh-CN" altLang="en-US" dirty="0"/>
+              <a:t>报告，</a:t>
             </a:r>
             <a:r>
               <a:rPr lang="en-US" altLang="zh-CN" dirty="0"/>
@@ -5175,86 +5270,46 @@
             </a:r>
             <a:r>
               <a:rPr lang="zh-CN" altLang="en-US" dirty="0"/>
-              <a:t>分</a:t>
+              <a:t>分钟。</a:t>
             </a:r>
             <a:endParaRPr lang="en-US" altLang="zh-CN" dirty="0"/>
           </a:p>
           <a:p>
             <a:r>
               <a:rPr lang="zh-CN" altLang="en-US" dirty="0"/>
-              <a:t>论文报告（</a:t>
+              <a:t>第一次</a:t>
             </a:r>
             <a:r>
               <a:rPr lang="en-US" altLang="zh-CN" dirty="0"/>
-              <a:t>15</a:t>
+              <a:t>3</a:t>
             </a:r>
             <a:r>
               <a:rPr lang="zh-CN" altLang="en-US" dirty="0"/>
-              <a:t>分）：研读</a:t>
+              <a:t>月</a:t>
             </a:r>
             <a:r>
               <a:rPr lang="en-US" altLang="zh-CN" dirty="0"/>
-              <a:t>1</a:t>
+              <a:t>28</a:t>
             </a:r>
             <a:r>
               <a:rPr lang="zh-CN" altLang="en-US" dirty="0"/>
-              <a:t>篇</a:t>
+              <a:t>日提交，第二次</a:t>
             </a:r>
             <a:r>
               <a:rPr lang="en-US" altLang="zh-CN" dirty="0"/>
-              <a:t>2018</a:t>
+              <a:t>4</a:t>
             </a:r>
             <a:r>
               <a:rPr lang="zh-CN" altLang="en-US" dirty="0"/>
-              <a:t>年后顶级会议论文，方向包括网络体系结构、</a:t>
+              <a:t>月</a:t>
             </a:r>
             <a:r>
               <a:rPr lang="en-US" altLang="zh-CN" dirty="0"/>
-              <a:t>DNS</a:t>
+              <a:t>25</a:t>
             </a:r>
             <a:r>
               <a:rPr lang="zh-CN" altLang="en-US" dirty="0"/>
-              <a:t>、</a:t>
-            </a:r>
-            <a:r>
-              <a:rPr lang="en-US" altLang="zh-CN" dirty="0"/>
-              <a:t>BGP</a:t>
-            </a:r>
-            <a:r>
-              <a:rPr lang="zh-CN" altLang="en-US" dirty="0"/>
-              <a:t>、</a:t>
-            </a:r>
-            <a:r>
-              <a:rPr lang="en-US" altLang="zh-CN" dirty="0"/>
-              <a:t>TLS</a:t>
-            </a:r>
-            <a:r>
-              <a:rPr lang="zh-CN" altLang="en-US" dirty="0"/>
-              <a:t>、匿名通信、网络测量、区块链。准备</a:t>
-            </a:r>
-            <a:r>
-              <a:rPr lang="en-US" altLang="zh-CN" dirty="0"/>
-              <a:t>PPT+</a:t>
-            </a:r>
-            <a:r>
-              <a:rPr lang="zh-CN" altLang="en-US" dirty="0"/>
-              <a:t>音频报告，</a:t>
-            </a:r>
-            <a:r>
-              <a:rPr lang="en-US" altLang="zh-CN" dirty="0"/>
-              <a:t>10</a:t>
-            </a:r>
-            <a:r>
-              <a:rPr lang="zh-CN" altLang="en-US" dirty="0"/>
-              <a:t>分钟，第</a:t>
-            </a:r>
-            <a:r>
-              <a:rPr lang="en-US" altLang="zh-CN" dirty="0"/>
-              <a:t>6</a:t>
-            </a:r>
-            <a:r>
-              <a:rPr lang="zh-CN" altLang="en-US" dirty="0"/>
-              <a:t>周周一提交。</a:t>
+              <a:t>日。</a:t>
             </a:r>
             <a:endParaRPr lang="en-US" altLang="zh-CN" dirty="0"/>
           </a:p>
@@ -5449,6 +5504,55 @@
                                           <p:spTgt spid="3">
                                             <p:txEl>
                                               <p:pRg st="2" end="2"/>
+                                            </p:txEl>
+                                          </p:spTgt>
+                                        </p:tgtEl>
+                                        <p:attrNameLst>
+                                          <p:attrName>style.visibility</p:attrName>
+                                        </p:attrNameLst>
+                                      </p:cBhvr>
+                                      <p:to>
+                                        <p:strVal val="visible"/>
+                                      </p:to>
+                                    </p:set>
+                                  </p:childTnLst>
+                                </p:cTn>
+                              </p:par>
+                            </p:childTnLst>
+                          </p:cTn>
+                        </p:par>
+                      </p:childTnLst>
+                    </p:cTn>
+                  </p:par>
+                  <p:par>
+                    <p:cTn id="15" fill="hold">
+                      <p:stCondLst>
+                        <p:cond delay="indefinite"/>
+                      </p:stCondLst>
+                      <p:childTnLst>
+                        <p:par>
+                          <p:cTn id="16" fill="hold">
+                            <p:stCondLst>
+                              <p:cond delay="0"/>
+                            </p:stCondLst>
+                            <p:childTnLst>
+                              <p:par>
+                                <p:cTn id="17" presetID="1" presetClass="entr" presetSubtype="0" fill="hold" grpId="0" nodeType="clickEffect">
+                                  <p:stCondLst>
+                                    <p:cond delay="0"/>
+                                  </p:stCondLst>
+                                  <p:childTnLst>
+                                    <p:set>
+                                      <p:cBhvr>
+                                        <p:cTn id="18" dur="1" fill="hold">
+                                          <p:stCondLst>
+                                            <p:cond delay="0"/>
+                                          </p:stCondLst>
+                                        </p:cTn>
+                                        <p:tgtEl>
+                                          <p:spTgt spid="3">
+                                            <p:txEl>
+                                              <p:pRg st="3" end="3"/>
                                             </p:txEl>
                                           </p:spTgt>
                                         </p:tgtEl>

--- a/internet-security/intro.pptx
+++ b/internet-security/intro.pptx
@@ -282,7 +282,7 @@
           <a:p>
             <a:fld id="{81B7EE3F-0E40-4E46-B38A-161A7323B428}" type="datetimeFigureOut">
               <a:rPr lang="en-US" smtClean="0"/>
-              <a:t>3/9/21</a:t>
+              <a:t>8/23/22</a:t>
             </a:fld>
             <a:endParaRPr lang="en-US"/>
           </a:p>
@@ -3697,6 +3697,14 @@
               </a:rPr>
               <a:t>2019,2020,2021</a:t>
             </a:r>
+            <a:r>
+              <a:rPr lang="en-US" altLang="zh-CN" b="1" dirty="0"/>
+              <a:t>,2022</a:t>
+            </a:r>
+            <a:endParaRPr lang="en-US" altLang="zh-CN" b="1" dirty="0">
+              <a:latin typeface="STKaiti" panose="02010600040101010101" pitchFamily="2" charset="-122"/>
+              <a:ea typeface="STKaiti" panose="02010600040101010101" pitchFamily="2" charset="-122"/>
+            </a:endParaRPr>
           </a:p>
         </p:txBody>
       </p:sp>
@@ -3930,6 +3938,25 @@
               <a:buFont typeface="+mj-lt"/>
               <a:buAutoNum type="arabicPeriod"/>
             </a:pPr>
+            <a:r>
+              <a:rPr lang="zh-CN" altLang="en-US" dirty="0"/>
+              <a:t>最新的研究成果</a:t>
+            </a:r>
+            <a:r>
+              <a:rPr lang="en-US" altLang="zh-CN" dirty="0"/>
+              <a:t>——</a:t>
+            </a:r>
+            <a:r>
+              <a:rPr lang="zh-CN" altLang="en-US" dirty="0"/>
+              <a:t>会议论文</a:t>
+            </a:r>
+            <a:endParaRPr lang="en-US" altLang="zh-CN" dirty="0"/>
+          </a:p>
+          <a:p>
+            <a:pPr marL="457200" indent="-457200">
+              <a:buFont typeface="+mj-lt"/>
+              <a:buAutoNum type="arabicPeriod"/>
+            </a:pPr>
             <a:endParaRPr lang="en-US" altLang="zh-CN" dirty="0"/>
           </a:p>
           <a:p>
@@ -3944,12 +3971,8 @@
               <a:buNone/>
             </a:pPr>
             <a:r>
-              <a:rPr lang="en-US" altLang="zh-CN"/>
-              <a:t>      HTTPS://</a:t>
-            </a:r>
-            <a:r>
               <a:rPr lang="en-US" altLang="zh-CN" dirty="0"/>
-              <a:t>github.com/YuZhang/Security-Courseware</a:t>
+              <a:t>      HTTPS://github.com/YuZhang/Security-Courseware</a:t>
             </a:r>
           </a:p>
           <a:p>
@@ -3973,7 +3996,10 @@
               <a:rPr lang="zh-CN" altLang="en-US" dirty="0"/>
               <a:t>群发布</a:t>
             </a:r>
-            <a:endParaRPr lang="en-US" altLang="zh-CN" dirty="0"/>
+            <a:r>
+              <a:rPr lang="en-US" altLang="zh-CN" dirty="0"/>
+              <a:t>:720661132</a:t>
+            </a:r>
           </a:p>
           <a:p>
             <a:pPr marL="457200" indent="-457200">
@@ -4423,7 +4449,7 @@
                                         <p:tgtEl>
                                           <p:spTgt spid="3">
                                             <p:txEl>
-                                              <p:pRg st="8" end="8"/>
+                                              <p:pRg st="7" end="7"/>
                                             </p:txEl>
                                           </p:spTgt>
                                         </p:tgtEl>
@@ -4522,6 +4548,55 @@
                                           <p:spTgt spid="3">
                                             <p:txEl>
                                               <p:pRg st="10" end="10"/>
+                                            </p:txEl>
+                                          </p:spTgt>
+                                        </p:tgtEl>
+                                        <p:attrNameLst>
+                                          <p:attrName>style.visibility</p:attrName>
+                                        </p:attrNameLst>
+                                      </p:cBhvr>
+                                      <p:to>
+                                        <p:strVal val="visible"/>
+                                      </p:to>
+                                    </p:set>
+                                  </p:childTnLst>
+                                </p:cTn>
+                              </p:par>
+                            </p:childTnLst>
+                          </p:cTn>
+                        </p:par>
+                      </p:childTnLst>
+                    </p:cTn>
+                  </p:par>
+                  <p:par>
+                    <p:cTn id="43" fill="hold">
+                      <p:stCondLst>
+                        <p:cond delay="indefinite"/>
+                      </p:stCondLst>
+                      <p:childTnLst>
+                        <p:par>
+                          <p:cTn id="44" fill="hold">
+                            <p:stCondLst>
+                              <p:cond delay="0"/>
+                            </p:stCondLst>
+                            <p:childTnLst>
+                              <p:par>
+                                <p:cTn id="45" presetID="1" presetClass="entr" presetSubtype="0" fill="hold" grpId="0" nodeType="clickEffect">
+                                  <p:stCondLst>
+                                    <p:cond delay="0"/>
+                                  </p:stCondLst>
+                                  <p:childTnLst>
+                                    <p:set>
+                                      <p:cBhvr>
+                                        <p:cTn id="46" dur="1" fill="hold">
+                                          <p:stCondLst>
+                                            <p:cond delay="0"/>
+                                          </p:stCondLst>
+                                        </p:cTn>
+                                        <p:tgtEl>
+                                          <p:spTgt spid="3">
+                                            <p:txEl>
+                                              <p:pRg st="11" end="11"/>
                                             </p:txEl>
                                           </p:spTgt>
                                         </p:tgtEl>
@@ -5210,7 +5285,7 @@
             </a:r>
             <a:r>
               <a:rPr lang="en-US" altLang="zh-CN" dirty="0"/>
-              <a:t>2019</a:t>
+              <a:t>2020</a:t>
             </a:r>
             <a:r>
               <a:rPr lang="zh-CN" altLang="en-US" dirty="0"/>
@@ -5281,7 +5356,7 @@
             </a:r>
             <a:r>
               <a:rPr lang="en-US" altLang="zh-CN" dirty="0"/>
-              <a:t>3</a:t>
+              <a:t>9</a:t>
             </a:r>
             <a:r>
               <a:rPr lang="zh-CN" altLang="en-US" dirty="0"/>
@@ -5289,7 +5364,7 @@
             </a:r>
             <a:r>
               <a:rPr lang="en-US" altLang="zh-CN" dirty="0"/>
-              <a:t>28</a:t>
+              <a:t>16</a:t>
             </a:r>
             <a:r>
               <a:rPr lang="zh-CN" altLang="en-US" dirty="0"/>
@@ -5297,7 +5372,7 @@
             </a:r>
             <a:r>
               <a:rPr lang="en-US" altLang="zh-CN" dirty="0"/>
-              <a:t>4</a:t>
+              <a:t>10</a:t>
             </a:r>
             <a:r>
               <a:rPr lang="zh-CN" altLang="en-US" dirty="0"/>
@@ -5305,7 +5380,7 @@
             </a:r>
             <a:r>
               <a:rPr lang="en-US" altLang="zh-CN" dirty="0"/>
-              <a:t>25</a:t>
+              <a:t>14</a:t>
             </a:r>
             <a:r>
               <a:rPr lang="zh-CN" altLang="en-US" dirty="0"/>

--- a/internet-security/intro.pptx
+++ b/internet-security/intro.pptx
@@ -282,7 +282,7 @@
           <a:p>
             <a:fld id="{81B7EE3F-0E40-4E46-B38A-161A7323B428}" type="datetimeFigureOut">
               <a:rPr lang="en-US" smtClean="0"/>
-              <a:t>8/23/22</a:t>
+              <a:t>9/22/22</a:t>
             </a:fld>
             <a:endParaRPr lang="en-US"/>
           </a:p>
@@ -5325,23 +5325,15 @@
             </a:r>
             <a:r>
               <a:rPr lang="en-US" altLang="zh-CN" dirty="0"/>
-              <a:t>PPT</a:t>
-            </a:r>
-            <a:r>
-              <a:rPr lang="en-US" altLang="zh-CN" strike="sngStrike" dirty="0"/>
-              <a:t>+</a:t>
-            </a:r>
-            <a:r>
-              <a:rPr lang="zh-CN" altLang="en-US" strike="sngStrike" dirty="0"/>
-              <a:t>音频</a:t>
+              <a:t>PPT+</a:t>
             </a:r>
             <a:r>
               <a:rPr lang="zh-CN" altLang="en-US" dirty="0"/>
-              <a:t>报告，</a:t>
+              <a:t>音频报告，</a:t>
             </a:r>
             <a:r>
               <a:rPr lang="en-US" altLang="zh-CN" dirty="0"/>
-              <a:t>5</a:t>
+              <a:t>&lt;5</a:t>
             </a:r>
             <a:r>
               <a:rPr lang="zh-CN" altLang="en-US" dirty="0"/>
@@ -5380,7 +5372,7 @@
             </a:r>
             <a:r>
               <a:rPr lang="en-US" altLang="zh-CN" dirty="0"/>
-              <a:t>14</a:t>
+              <a:t>10</a:t>
             </a:r>
             <a:r>
               <a:rPr lang="zh-CN" altLang="en-US" dirty="0"/>
